--- a/Figures/scores and labels/scores.pptx
+++ b/Figures/scores and labels/scores.pptx
@@ -5,7 +5,7 @@
     <p:sldMasterId id="2147483648" r:id="rId1"/>
   </p:sldMasterIdLst>
   <p:sldIdLst>
-    <p:sldId id="256" r:id="rId2"/>
+    <p:sldId id="257" r:id="rId2"/>
   </p:sldIdLst>
   <p:sldSz cx="12192000" cy="6858000"/>
   <p:notesSz cx="6858000" cy="9144000"/>
@@ -115,7 +115,7 @@
 <file path=ppt/revisionInfo.xml><?xml version="1.0" encoding="utf-8"?>
 <p1510:revInfo xmlns:a="http://schemas.openxmlformats.org/drawingml/2006/main" xmlns:r="http://schemas.openxmlformats.org/officeDocument/2006/relationships" xmlns:p1510="http://schemas.microsoft.com/office/powerpoint/2015/10/main">
   <p1510:revLst>
-    <p1510:client id="{2268F4FB-0636-42F2-B4BD-4D1E4631D3DC}" v="56" dt="2023-05-02T17:00:11.777"/>
+    <p1510:client id="{2268F4FB-0636-42F2-B4BD-4D1E4631D3DC}" v="241" dt="2023-05-12T11:47:48.461"/>
   </p1510:revLst>
 </p1510:revInfo>
 </file>
@@ -148,33 +148,151 @@
   </pc:docChgLst>
   <pc:docChgLst>
     <pc:chgData name="Anne Joo Marthinsen" userId="f4ea1ed657f150d5" providerId="LiveId" clId="{2268F4FB-0636-42F2-B4BD-4D1E4631D3DC}"/>
-    <pc:docChg chg="undo custSel delSld modSld">
-      <pc:chgData name="Anne Joo Marthinsen" userId="f4ea1ed657f150d5" providerId="LiveId" clId="{2268F4FB-0636-42F2-B4BD-4D1E4631D3DC}" dt="2023-04-12T13:06:15.338" v="74" actId="27918"/>
+    <pc:docChg chg="undo custSel addSld delSld modSld">
+      <pc:chgData name="Anne Joo Marthinsen" userId="f4ea1ed657f150d5" providerId="LiveId" clId="{2268F4FB-0636-42F2-B4BD-4D1E4631D3DC}" dt="2023-05-12T11:48:11.065" v="334" actId="14100"/>
       <pc:docMkLst>
         <pc:docMk/>
       </pc:docMkLst>
-      <pc:sldChg chg="addSp modSp mod">
-        <pc:chgData name="Anne Joo Marthinsen" userId="f4ea1ed657f150d5" providerId="LiveId" clId="{2268F4FB-0636-42F2-B4BD-4D1E4631D3DC}" dt="2023-04-12T13:06:15.338" v="74" actId="27918"/>
+      <pc:sldChg chg="addSp delSp modSp del mod">
+        <pc:chgData name="Anne Joo Marthinsen" userId="f4ea1ed657f150d5" providerId="LiveId" clId="{2268F4FB-0636-42F2-B4BD-4D1E4631D3DC}" dt="2023-05-12T10:17:55.848" v="247" actId="47"/>
         <pc:sldMkLst>
           <pc:docMk/>
           <pc:sldMk cId="3042494034" sldId="256"/>
         </pc:sldMkLst>
         <pc:graphicFrameChg chg="add mod">
-          <ac:chgData name="Anne Joo Marthinsen" userId="f4ea1ed657f150d5" providerId="LiveId" clId="{2268F4FB-0636-42F2-B4BD-4D1E4631D3DC}" dt="2023-04-12T13:03:55.305" v="69"/>
+          <ac:chgData name="Anne Joo Marthinsen" userId="f4ea1ed657f150d5" providerId="LiveId" clId="{2268F4FB-0636-42F2-B4BD-4D1E4631D3DC}" dt="2023-05-12T10:08:40.747" v="195" actId="14100"/>
           <ac:graphicFrameMkLst>
             <pc:docMk/>
             <pc:sldMk cId="3042494034" sldId="256"/>
             <ac:graphicFrameMk id="2" creationId="{13393FFB-742B-1993-7C82-C6F8EF24D6E0}"/>
           </ac:graphicFrameMkLst>
         </pc:graphicFrameChg>
+        <pc:graphicFrameChg chg="add del mod">
+          <ac:chgData name="Anne Joo Marthinsen" userId="f4ea1ed657f150d5" providerId="LiveId" clId="{2268F4FB-0636-42F2-B4BD-4D1E4631D3DC}" dt="2023-05-12T09:52:42.592" v="110"/>
+          <ac:graphicFrameMkLst>
+            <pc:docMk/>
+            <pc:sldMk cId="3042494034" sldId="256"/>
+            <ac:graphicFrameMk id="3" creationId="{3B311AF7-9203-4781-7B5B-14D2564C891F}"/>
+          </ac:graphicFrameMkLst>
+        </pc:graphicFrameChg>
         <pc:graphicFrameChg chg="mod">
-          <ac:chgData name="Anne Joo Marthinsen" userId="f4ea1ed657f150d5" providerId="LiveId" clId="{2268F4FB-0636-42F2-B4BD-4D1E4631D3DC}" dt="2023-04-12T13:03:47.064" v="68"/>
+          <ac:chgData name="Anne Joo Marthinsen" userId="f4ea1ed657f150d5" providerId="LiveId" clId="{2268F4FB-0636-42F2-B4BD-4D1E4631D3DC}" dt="2023-05-12T10:14:03.009" v="212"/>
           <ac:graphicFrameMkLst>
             <pc:docMk/>
             <pc:sldMk cId="3042494034" sldId="256"/>
             <ac:graphicFrameMk id="11" creationId="{88B7FDD0-C234-BED2-B45E-0D4B7F428704}"/>
           </ac:graphicFrameMkLst>
         </pc:graphicFrameChg>
+      </pc:sldChg>
+      <pc:sldChg chg="addSp delSp modSp new mod">
+        <pc:chgData name="Anne Joo Marthinsen" userId="f4ea1ed657f150d5" providerId="LiveId" clId="{2268F4FB-0636-42F2-B4BD-4D1E4631D3DC}" dt="2023-05-12T11:48:11.065" v="334" actId="14100"/>
+        <pc:sldMkLst>
+          <pc:docMk/>
+          <pc:sldMk cId="775124186" sldId="257"/>
+        </pc:sldMkLst>
+        <pc:spChg chg="add mod">
+          <ac:chgData name="Anne Joo Marthinsen" userId="f4ea1ed657f150d5" providerId="LiveId" clId="{2268F4FB-0636-42F2-B4BD-4D1E4631D3DC}" dt="2023-05-12T11:47:30.483" v="327" actId="1076"/>
+          <ac:spMkLst>
+            <pc:docMk/>
+            <pc:sldMk cId="775124186" sldId="257"/>
+            <ac:spMk id="2" creationId="{9E025601-4914-28A5-6740-FDEA679C0EAC}"/>
+          </ac:spMkLst>
+        </pc:spChg>
+        <pc:spChg chg="del">
+          <ac:chgData name="Anne Joo Marthinsen" userId="f4ea1ed657f150d5" providerId="LiveId" clId="{2268F4FB-0636-42F2-B4BD-4D1E4631D3DC}" dt="2023-05-12T09:52:49.394" v="114" actId="478"/>
+          <ac:spMkLst>
+            <pc:docMk/>
+            <pc:sldMk cId="775124186" sldId="257"/>
+            <ac:spMk id="2" creationId="{AF82B8E4-985A-96A7-EC88-6A9B2E9E5BCC}"/>
+          </ac:spMkLst>
+        </pc:spChg>
+        <pc:spChg chg="add mod">
+          <ac:chgData name="Anne Joo Marthinsen" userId="f4ea1ed657f150d5" providerId="LiveId" clId="{2268F4FB-0636-42F2-B4BD-4D1E4631D3DC}" dt="2023-05-12T11:47:56.171" v="332" actId="1076"/>
+          <ac:spMkLst>
+            <pc:docMk/>
+            <pc:sldMk cId="775124186" sldId="257"/>
+            <ac:spMk id="3" creationId="{6A686991-AB9F-B0EC-0A01-F3A4F42240B2}"/>
+          </ac:spMkLst>
+        </pc:spChg>
+        <pc:spChg chg="del">
+          <ac:chgData name="Anne Joo Marthinsen" userId="f4ea1ed657f150d5" providerId="LiveId" clId="{2268F4FB-0636-42F2-B4BD-4D1E4631D3DC}" dt="2023-05-12T09:52:48.163" v="113" actId="478"/>
+          <ac:spMkLst>
+            <pc:docMk/>
+            <pc:sldMk cId="775124186" sldId="257"/>
+            <ac:spMk id="3" creationId="{E8232674-A6BF-9987-C5FF-9FD2EB227350}"/>
+          </ac:spMkLst>
+        </pc:spChg>
+        <pc:spChg chg="add mod">
+          <ac:chgData name="Anne Joo Marthinsen" userId="f4ea1ed657f150d5" providerId="LiveId" clId="{2268F4FB-0636-42F2-B4BD-4D1E4631D3DC}" dt="2023-05-12T11:16:31.868" v="306" actId="20577"/>
+          <ac:spMkLst>
+            <pc:docMk/>
+            <pc:sldMk cId="775124186" sldId="257"/>
+            <ac:spMk id="9" creationId="{3CF25596-6D99-6545-356D-3A0D71022B37}"/>
+          </ac:spMkLst>
+        </pc:spChg>
+        <pc:graphicFrameChg chg="add mod">
+          <ac:chgData name="Anne Joo Marthinsen" userId="f4ea1ed657f150d5" providerId="LiveId" clId="{2268F4FB-0636-42F2-B4BD-4D1E4631D3DC}" dt="2023-05-12T11:48:11.065" v="334" actId="14100"/>
+          <ac:graphicFrameMkLst>
+            <pc:docMk/>
+            <pc:sldMk cId="775124186" sldId="257"/>
+            <ac:graphicFrameMk id="4" creationId="{295EF807-6078-516D-172E-5065BF4B189B}"/>
+          </ac:graphicFrameMkLst>
+        </pc:graphicFrameChg>
+        <pc:graphicFrameChg chg="add mod">
+          <ac:chgData name="Anne Joo Marthinsen" userId="f4ea1ed657f150d5" providerId="LiveId" clId="{2268F4FB-0636-42F2-B4BD-4D1E4631D3DC}" dt="2023-05-12T11:48:07.188" v="333" actId="14100"/>
+          <ac:graphicFrameMkLst>
+            <pc:docMk/>
+            <pc:sldMk cId="775124186" sldId="257"/>
+            <ac:graphicFrameMk id="5" creationId="{C5156E89-E663-552E-3405-3C7F9046C608}"/>
+          </ac:graphicFrameMkLst>
+        </pc:graphicFrameChg>
+        <pc:graphicFrameChg chg="add del mod">
+          <ac:chgData name="Anne Joo Marthinsen" userId="f4ea1ed657f150d5" providerId="LiveId" clId="{2268F4FB-0636-42F2-B4BD-4D1E4631D3DC}" dt="2023-05-12T10:13:31.203" v="205"/>
+          <ac:graphicFrameMkLst>
+            <pc:docMk/>
+            <pc:sldMk cId="775124186" sldId="257"/>
+            <ac:graphicFrameMk id="6" creationId="{6B42A547-D36F-CF42-9E20-9DA371BCA3F0}"/>
+          </ac:graphicFrameMkLst>
+        </pc:graphicFrameChg>
+        <pc:graphicFrameChg chg="add del mod">
+          <ac:chgData name="Anne Joo Marthinsen" userId="f4ea1ed657f150d5" providerId="LiveId" clId="{2268F4FB-0636-42F2-B4BD-4D1E4631D3DC}" dt="2023-05-12T10:13:46.949" v="210"/>
+          <ac:graphicFrameMkLst>
+            <pc:docMk/>
+            <pc:sldMk cId="775124186" sldId="257"/>
+            <ac:graphicFrameMk id="7" creationId="{93AD128D-A8FD-A4AD-96F5-C19011A140D5}"/>
+          </ac:graphicFrameMkLst>
+        </pc:graphicFrameChg>
+        <pc:graphicFrameChg chg="add del mod">
+          <ac:chgData name="Anne Joo Marthinsen" userId="f4ea1ed657f150d5" providerId="LiveId" clId="{2268F4FB-0636-42F2-B4BD-4D1E4631D3DC}" dt="2023-05-12T10:16:23.972" v="221"/>
+          <ac:graphicFrameMkLst>
+            <pc:docMk/>
+            <pc:sldMk cId="775124186" sldId="257"/>
+            <ac:graphicFrameMk id="8" creationId="{07F1665A-B7C1-46E9-4AAB-CC2A775E1ED5}"/>
+          </ac:graphicFrameMkLst>
+        </pc:graphicFrameChg>
+        <pc:cxnChg chg="add del">
+          <ac:chgData name="Anne Joo Marthinsen" userId="f4ea1ed657f150d5" providerId="LiveId" clId="{2268F4FB-0636-42F2-B4BD-4D1E4631D3DC}" dt="2023-05-12T10:55:41.044" v="299" actId="478"/>
+          <ac:cxnSpMkLst>
+            <pc:docMk/>
+            <pc:sldMk cId="775124186" sldId="257"/>
+            <ac:cxnSpMk id="11" creationId="{C156FB3E-F9E3-5B32-691E-E46D974BE71E}"/>
+          </ac:cxnSpMkLst>
+        </pc:cxnChg>
+        <pc:cxnChg chg="add del mod">
+          <ac:chgData name="Anne Joo Marthinsen" userId="f4ea1ed657f150d5" providerId="LiveId" clId="{2268F4FB-0636-42F2-B4BD-4D1E4631D3DC}" dt="2023-05-12T10:31:16.399" v="273" actId="478"/>
+          <ac:cxnSpMkLst>
+            <pc:docMk/>
+            <pc:sldMk cId="775124186" sldId="257"/>
+            <ac:cxnSpMk id="13" creationId="{1880D30C-F0B5-590B-6C8C-3228F6278651}"/>
+          </ac:cxnSpMkLst>
+        </pc:cxnChg>
+      </pc:sldChg>
+      <pc:sldChg chg="new del">
+        <pc:chgData name="Anne Joo Marthinsen" userId="f4ea1ed657f150d5" providerId="LiveId" clId="{2268F4FB-0636-42F2-B4BD-4D1E4631D3DC}" dt="2023-05-12T09:52:41.504" v="109" actId="680"/>
+        <pc:sldMkLst>
+          <pc:docMk/>
+          <pc:sldMk cId="1380997077" sldId="257"/>
+        </pc:sldMkLst>
       </pc:sldChg>
       <pc:sldChg chg="addSp delSp modSp del mod">
         <pc:chgData name="Anne Joo Marthinsen" userId="f4ea1ed657f150d5" providerId="LiveId" clId="{2268F4FB-0636-42F2-B4BD-4D1E4631D3DC}" dt="2023-04-12T12:57:07.040" v="56" actId="47"/>
@@ -210,80 +328,17 @@
     </mc:Fallback>
   </mc:AlternateContent>
   <c:chart>
-    <c:title>
-      <c:tx>
-        <c:rich>
-          <a:bodyPr rot="0" spcFirstLastPara="1" vertOverflow="ellipsis" vert="horz" wrap="square" anchor="ctr" anchorCtr="1"/>
-          <a:lstStyle/>
-          <a:p>
-            <a:pPr>
-              <a:defRPr sz="1862" b="0" i="0" u="none" strike="noStrike" kern="1200" spc="0" baseline="0">
-                <a:solidFill>
-                  <a:schemeClr val="tx1">
-                    <a:lumMod val="65000"/>
-                    <a:lumOff val="35000"/>
-                  </a:schemeClr>
-                </a:solidFill>
-                <a:latin typeface="+mn-lt"/>
-                <a:ea typeface="+mn-ea"/>
-                <a:cs typeface="+mn-cs"/>
-              </a:defRPr>
-            </a:pPr>
-            <a:r>
-              <a:rPr lang="en-US"/>
-              <a:t>STAY-Y1 scores</a:t>
-            </a:r>
-          </a:p>
-        </c:rich>
-      </c:tx>
-      <c:layout>
-        <c:manualLayout>
-          <c:xMode val="edge"/>
-          <c:yMode val="edge"/>
-          <c:x val="0.55653051930152564"/>
-          <c:y val="1.1111111111111112E-2"/>
-        </c:manualLayout>
-      </c:layout>
-      <c:overlay val="0"/>
-      <c:spPr>
-        <a:noFill/>
-        <a:ln>
-          <a:noFill/>
-        </a:ln>
-        <a:effectLst/>
-      </c:spPr>
-      <c:txPr>
-        <a:bodyPr rot="0" spcFirstLastPara="1" vertOverflow="ellipsis" vert="horz" wrap="square" anchor="ctr" anchorCtr="1"/>
-        <a:lstStyle/>
-        <a:p>
-          <a:pPr>
-            <a:defRPr sz="1862" b="0" i="0" u="none" strike="noStrike" kern="1200" spc="0" baseline="0">
-              <a:solidFill>
-                <a:schemeClr val="tx1">
-                  <a:lumMod val="65000"/>
-                  <a:lumOff val="35000"/>
-                </a:schemeClr>
-              </a:solidFill>
-              <a:latin typeface="+mn-lt"/>
-              <a:ea typeface="+mn-ea"/>
-              <a:cs typeface="+mn-cs"/>
-            </a:defRPr>
-          </a:pPr>
-          <a:endParaRPr lang="en-US"/>
-        </a:p>
-      </c:txPr>
-    </c:title>
-    <c:autoTitleDeleted val="0"/>
+    <c:autoTitleDeleted val="1"/>
     <c:plotArea>
       <c:layout>
         <c:manualLayout>
           <c:layoutTarget val="inner"/>
           <c:xMode val="edge"/>
           <c:yMode val="edge"/>
-          <c:x val="0.13018832634238478"/>
-          <c:y val="7.9129629629629633E-2"/>
-          <c:w val="0.66997073884950142"/>
-          <c:h val="0.86770968212306798"/>
+          <c:x val="2.3699031808129791E-2"/>
+          <c:y val="3.8388888888888882E-2"/>
+          <c:w val="0.83720617299264677"/>
+          <c:h val="0.90845042286380873"/>
         </c:manualLayout>
       </c:layout>
       <c:barChart>
@@ -315,13 +370,96 @@
           </c:spPr>
           <c:invertIfNegative val="0"/>
           <c:cat>
-            <c:numRef>
+            <c:strRef>
               <c:f>'Ark1'!$A$2:$A$29</c:f>
-              <c:numCache>
-                <c:formatCode>General</c:formatCode>
+              <c:strCache>
                 <c:ptCount val="28"/>
-              </c:numCache>
-            </c:numRef>
+                <c:pt idx="0">
+                  <c:v>Sub 28</c:v>
+                </c:pt>
+                <c:pt idx="1">
+                  <c:v>Sub 27</c:v>
+                </c:pt>
+                <c:pt idx="2">
+                  <c:v>Sub 26</c:v>
+                </c:pt>
+                <c:pt idx="3">
+                  <c:v>Sub 25</c:v>
+                </c:pt>
+                <c:pt idx="4">
+                  <c:v>Sub 24</c:v>
+                </c:pt>
+                <c:pt idx="5">
+                  <c:v>Sub 23</c:v>
+                </c:pt>
+                <c:pt idx="6">
+                  <c:v>Sub 22</c:v>
+                </c:pt>
+                <c:pt idx="7">
+                  <c:v>Sub 21</c:v>
+                </c:pt>
+                <c:pt idx="8">
+                  <c:v>Sub 20</c:v>
+                </c:pt>
+                <c:pt idx="9">
+                  <c:v>Sub 19</c:v>
+                </c:pt>
+                <c:pt idx="10">
+                  <c:v>Sub 18</c:v>
+                </c:pt>
+                <c:pt idx="11">
+                  <c:v>Sub 17</c:v>
+                </c:pt>
+                <c:pt idx="12">
+                  <c:v>Sub 16</c:v>
+                </c:pt>
+                <c:pt idx="13">
+                  <c:v>Sub 15</c:v>
+                </c:pt>
+                <c:pt idx="14">
+                  <c:v>Sub 14</c:v>
+                </c:pt>
+                <c:pt idx="15">
+                  <c:v>Sub 13</c:v>
+                </c:pt>
+                <c:pt idx="16">
+                  <c:v>Sub 12</c:v>
+                </c:pt>
+                <c:pt idx="17">
+                  <c:v>Sub 11</c:v>
+                </c:pt>
+                <c:pt idx="18">
+                  <c:v>Sub 10</c:v>
+                </c:pt>
+                <c:pt idx="19">
+                  <c:v>Sub 9</c:v>
+                </c:pt>
+                <c:pt idx="20">
+                  <c:v>Sub 8</c:v>
+                </c:pt>
+                <c:pt idx="21">
+                  <c:v>Sub 7</c:v>
+                </c:pt>
+                <c:pt idx="22">
+                  <c:v>Sub 6</c:v>
+                </c:pt>
+                <c:pt idx="23">
+                  <c:v>Sub 5</c:v>
+                </c:pt>
+                <c:pt idx="24">
+                  <c:v>Sub 4</c:v>
+                </c:pt>
+                <c:pt idx="25">
+                  <c:v>Sub 3</c:v>
+                </c:pt>
+                <c:pt idx="26">
+                  <c:v>Sub 2</c:v>
+                </c:pt>
+                <c:pt idx="27">
+                  <c:v>Sub 1</c:v>
+                </c:pt>
+              </c:strCache>
+            </c:strRef>
           </c:cat>
           <c:val>
             <c:numRef>
@@ -418,7 +556,7 @@
           </c:val>
           <c:extLst>
             <c:ext xmlns:c16="http://schemas.microsoft.com/office/drawing/2014/chart" uri="{C3380CC4-5D6E-409C-BE32-E72D297353CC}">
-              <c16:uniqueId val="{00000000-F93C-476B-AB48-92A3F036FBC1}"/>
+              <c16:uniqueId val="{00000000-6AC6-4215-BF54-7FDA2EE2241F}"/>
             </c:ext>
           </c:extLst>
         </c:ser>
@@ -447,13 +585,96 @@
           </c:spPr>
           <c:invertIfNegative val="0"/>
           <c:cat>
-            <c:numRef>
+            <c:strRef>
               <c:f>'Ark1'!$A$2:$A$29</c:f>
-              <c:numCache>
-                <c:formatCode>General</c:formatCode>
+              <c:strCache>
                 <c:ptCount val="28"/>
-              </c:numCache>
-            </c:numRef>
+                <c:pt idx="0">
+                  <c:v>Sub 28</c:v>
+                </c:pt>
+                <c:pt idx="1">
+                  <c:v>Sub 27</c:v>
+                </c:pt>
+                <c:pt idx="2">
+                  <c:v>Sub 26</c:v>
+                </c:pt>
+                <c:pt idx="3">
+                  <c:v>Sub 25</c:v>
+                </c:pt>
+                <c:pt idx="4">
+                  <c:v>Sub 24</c:v>
+                </c:pt>
+                <c:pt idx="5">
+                  <c:v>Sub 23</c:v>
+                </c:pt>
+                <c:pt idx="6">
+                  <c:v>Sub 22</c:v>
+                </c:pt>
+                <c:pt idx="7">
+                  <c:v>Sub 21</c:v>
+                </c:pt>
+                <c:pt idx="8">
+                  <c:v>Sub 20</c:v>
+                </c:pt>
+                <c:pt idx="9">
+                  <c:v>Sub 19</c:v>
+                </c:pt>
+                <c:pt idx="10">
+                  <c:v>Sub 18</c:v>
+                </c:pt>
+                <c:pt idx="11">
+                  <c:v>Sub 17</c:v>
+                </c:pt>
+                <c:pt idx="12">
+                  <c:v>Sub 16</c:v>
+                </c:pt>
+                <c:pt idx="13">
+                  <c:v>Sub 15</c:v>
+                </c:pt>
+                <c:pt idx="14">
+                  <c:v>Sub 14</c:v>
+                </c:pt>
+                <c:pt idx="15">
+                  <c:v>Sub 13</c:v>
+                </c:pt>
+                <c:pt idx="16">
+                  <c:v>Sub 12</c:v>
+                </c:pt>
+                <c:pt idx="17">
+                  <c:v>Sub 11</c:v>
+                </c:pt>
+                <c:pt idx="18">
+                  <c:v>Sub 10</c:v>
+                </c:pt>
+                <c:pt idx="19">
+                  <c:v>Sub 9</c:v>
+                </c:pt>
+                <c:pt idx="20">
+                  <c:v>Sub 8</c:v>
+                </c:pt>
+                <c:pt idx="21">
+                  <c:v>Sub 7</c:v>
+                </c:pt>
+                <c:pt idx="22">
+                  <c:v>Sub 6</c:v>
+                </c:pt>
+                <c:pt idx="23">
+                  <c:v>Sub 5</c:v>
+                </c:pt>
+                <c:pt idx="24">
+                  <c:v>Sub 4</c:v>
+                </c:pt>
+                <c:pt idx="25">
+                  <c:v>Sub 3</c:v>
+                </c:pt>
+                <c:pt idx="26">
+                  <c:v>Sub 2</c:v>
+                </c:pt>
+                <c:pt idx="27">
+                  <c:v>Sub 1</c:v>
+                </c:pt>
+              </c:strCache>
+            </c:strRef>
           </c:cat>
           <c:val>
             <c:numRef>
@@ -550,7 +771,7 @@
           </c:val>
           <c:extLst>
             <c:ext xmlns:c16="http://schemas.microsoft.com/office/drawing/2014/chart" uri="{C3380CC4-5D6E-409C-BE32-E72D297353CC}">
-              <c16:uniqueId val="{00000001-F93C-476B-AB48-92A3F036FBC1}"/>
+              <c16:uniqueId val="{00000001-6AC6-4215-BF54-7FDA2EE2241F}"/>
             </c:ext>
           </c:extLst>
         </c:ser>
@@ -579,13 +800,96 @@
           </c:spPr>
           <c:invertIfNegative val="0"/>
           <c:cat>
-            <c:numRef>
+            <c:strRef>
               <c:f>'Ark1'!$A$2:$A$29</c:f>
-              <c:numCache>
-                <c:formatCode>General</c:formatCode>
+              <c:strCache>
                 <c:ptCount val="28"/>
-              </c:numCache>
-            </c:numRef>
+                <c:pt idx="0">
+                  <c:v>Sub 28</c:v>
+                </c:pt>
+                <c:pt idx="1">
+                  <c:v>Sub 27</c:v>
+                </c:pt>
+                <c:pt idx="2">
+                  <c:v>Sub 26</c:v>
+                </c:pt>
+                <c:pt idx="3">
+                  <c:v>Sub 25</c:v>
+                </c:pt>
+                <c:pt idx="4">
+                  <c:v>Sub 24</c:v>
+                </c:pt>
+                <c:pt idx="5">
+                  <c:v>Sub 23</c:v>
+                </c:pt>
+                <c:pt idx="6">
+                  <c:v>Sub 22</c:v>
+                </c:pt>
+                <c:pt idx="7">
+                  <c:v>Sub 21</c:v>
+                </c:pt>
+                <c:pt idx="8">
+                  <c:v>Sub 20</c:v>
+                </c:pt>
+                <c:pt idx="9">
+                  <c:v>Sub 19</c:v>
+                </c:pt>
+                <c:pt idx="10">
+                  <c:v>Sub 18</c:v>
+                </c:pt>
+                <c:pt idx="11">
+                  <c:v>Sub 17</c:v>
+                </c:pt>
+                <c:pt idx="12">
+                  <c:v>Sub 16</c:v>
+                </c:pt>
+                <c:pt idx="13">
+                  <c:v>Sub 15</c:v>
+                </c:pt>
+                <c:pt idx="14">
+                  <c:v>Sub 14</c:v>
+                </c:pt>
+                <c:pt idx="15">
+                  <c:v>Sub 13</c:v>
+                </c:pt>
+                <c:pt idx="16">
+                  <c:v>Sub 12</c:v>
+                </c:pt>
+                <c:pt idx="17">
+                  <c:v>Sub 11</c:v>
+                </c:pt>
+                <c:pt idx="18">
+                  <c:v>Sub 10</c:v>
+                </c:pt>
+                <c:pt idx="19">
+                  <c:v>Sub 9</c:v>
+                </c:pt>
+                <c:pt idx="20">
+                  <c:v>Sub 8</c:v>
+                </c:pt>
+                <c:pt idx="21">
+                  <c:v>Sub 7</c:v>
+                </c:pt>
+                <c:pt idx="22">
+                  <c:v>Sub 6</c:v>
+                </c:pt>
+                <c:pt idx="23">
+                  <c:v>Sub 5</c:v>
+                </c:pt>
+                <c:pt idx="24">
+                  <c:v>Sub 4</c:v>
+                </c:pt>
+                <c:pt idx="25">
+                  <c:v>Sub 3</c:v>
+                </c:pt>
+                <c:pt idx="26">
+                  <c:v>Sub 2</c:v>
+                </c:pt>
+                <c:pt idx="27">
+                  <c:v>Sub 1</c:v>
+                </c:pt>
+              </c:strCache>
+            </c:strRef>
           </c:cat>
           <c:val>
             <c:numRef>
@@ -682,7 +986,7 @@
           </c:val>
           <c:extLst>
             <c:ext xmlns:c16="http://schemas.microsoft.com/office/drawing/2014/chart" uri="{C3380CC4-5D6E-409C-BE32-E72D297353CC}">
-              <c16:uniqueId val="{00000002-F93C-476B-AB48-92A3F036FBC1}"/>
+              <c16:uniqueId val="{00000002-6AC6-4215-BF54-7FDA2EE2241F}"/>
             </c:ext>
           </c:extLst>
         </c:ser>
@@ -713,13 +1017,96 @@
           </c:spPr>
           <c:invertIfNegative val="0"/>
           <c:cat>
-            <c:numRef>
+            <c:strRef>
               <c:f>'Ark1'!$A$2:$A$29</c:f>
-              <c:numCache>
-                <c:formatCode>General</c:formatCode>
+              <c:strCache>
                 <c:ptCount val="28"/>
-              </c:numCache>
-            </c:numRef>
+                <c:pt idx="0">
+                  <c:v>Sub 28</c:v>
+                </c:pt>
+                <c:pt idx="1">
+                  <c:v>Sub 27</c:v>
+                </c:pt>
+                <c:pt idx="2">
+                  <c:v>Sub 26</c:v>
+                </c:pt>
+                <c:pt idx="3">
+                  <c:v>Sub 25</c:v>
+                </c:pt>
+                <c:pt idx="4">
+                  <c:v>Sub 24</c:v>
+                </c:pt>
+                <c:pt idx="5">
+                  <c:v>Sub 23</c:v>
+                </c:pt>
+                <c:pt idx="6">
+                  <c:v>Sub 22</c:v>
+                </c:pt>
+                <c:pt idx="7">
+                  <c:v>Sub 21</c:v>
+                </c:pt>
+                <c:pt idx="8">
+                  <c:v>Sub 20</c:v>
+                </c:pt>
+                <c:pt idx="9">
+                  <c:v>Sub 19</c:v>
+                </c:pt>
+                <c:pt idx="10">
+                  <c:v>Sub 18</c:v>
+                </c:pt>
+                <c:pt idx="11">
+                  <c:v>Sub 17</c:v>
+                </c:pt>
+                <c:pt idx="12">
+                  <c:v>Sub 16</c:v>
+                </c:pt>
+                <c:pt idx="13">
+                  <c:v>Sub 15</c:v>
+                </c:pt>
+                <c:pt idx="14">
+                  <c:v>Sub 14</c:v>
+                </c:pt>
+                <c:pt idx="15">
+                  <c:v>Sub 13</c:v>
+                </c:pt>
+                <c:pt idx="16">
+                  <c:v>Sub 12</c:v>
+                </c:pt>
+                <c:pt idx="17">
+                  <c:v>Sub 11</c:v>
+                </c:pt>
+                <c:pt idx="18">
+                  <c:v>Sub 10</c:v>
+                </c:pt>
+                <c:pt idx="19">
+                  <c:v>Sub 9</c:v>
+                </c:pt>
+                <c:pt idx="20">
+                  <c:v>Sub 8</c:v>
+                </c:pt>
+                <c:pt idx="21">
+                  <c:v>Sub 7</c:v>
+                </c:pt>
+                <c:pt idx="22">
+                  <c:v>Sub 6</c:v>
+                </c:pt>
+                <c:pt idx="23">
+                  <c:v>Sub 5</c:v>
+                </c:pt>
+                <c:pt idx="24">
+                  <c:v>Sub 4</c:v>
+                </c:pt>
+                <c:pt idx="25">
+                  <c:v>Sub 3</c:v>
+                </c:pt>
+                <c:pt idx="26">
+                  <c:v>Sub 2</c:v>
+                </c:pt>
+                <c:pt idx="27">
+                  <c:v>Sub 1</c:v>
+                </c:pt>
+              </c:strCache>
+            </c:strRef>
           </c:cat>
           <c:val>
             <c:numRef>
@@ -816,141 +1203,7 @@
           </c:val>
           <c:extLst>
             <c:ext xmlns:c16="http://schemas.microsoft.com/office/drawing/2014/chart" uri="{C3380CC4-5D6E-409C-BE32-E72D297353CC}">
-              <c16:uniqueId val="{00000003-F93C-476B-AB48-92A3F036FBC1}"/>
-            </c:ext>
-          </c:extLst>
-        </c:ser>
-        <c:ser>
-          <c:idx val="4"/>
-          <c:order val="4"/>
-          <c:tx>
-            <c:strRef>
-              <c:f>'Ark1'!$F$1</c:f>
-              <c:strCache>
-                <c:ptCount val="1"/>
-                <c:pt idx="0">
-                  <c:v> STAY-Y1</c:v>
-                </c:pt>
-              </c:strCache>
-            </c:strRef>
-          </c:tx>
-          <c:spPr>
-            <a:solidFill>
-              <a:schemeClr val="accent3">
-                <a:lumMod val="60000"/>
-              </a:schemeClr>
-            </a:solidFill>
-            <a:ln>
-              <a:noFill/>
-            </a:ln>
-            <a:effectLst/>
-          </c:spPr>
-          <c:invertIfNegative val="0"/>
-          <c:cat>
-            <c:numRef>
-              <c:f>'Ark1'!$A$2:$A$29</c:f>
-              <c:numCache>
-                <c:formatCode>General</c:formatCode>
-                <c:ptCount val="28"/>
-              </c:numCache>
-            </c:numRef>
-          </c:cat>
-          <c:val>
-            <c:numRef>
-              <c:f>'Ark1'!$F$2:$F$29</c:f>
-              <c:numCache>
-                <c:formatCode>General</c:formatCode>
-                <c:ptCount val="28"/>
-                <c:pt idx="0">
-                  <c:v>0</c:v>
-                </c:pt>
-                <c:pt idx="1">
-                  <c:v>0</c:v>
-                </c:pt>
-                <c:pt idx="2">
-                  <c:v>0</c:v>
-                </c:pt>
-                <c:pt idx="3">
-                  <c:v>0</c:v>
-                </c:pt>
-                <c:pt idx="4">
-                  <c:v>0</c:v>
-                </c:pt>
-                <c:pt idx="5">
-                  <c:v>0</c:v>
-                </c:pt>
-                <c:pt idx="6">
-                  <c:v>0</c:v>
-                </c:pt>
-                <c:pt idx="7">
-                  <c:v>0</c:v>
-                </c:pt>
-                <c:pt idx="8">
-                  <c:v>0</c:v>
-                </c:pt>
-                <c:pt idx="9">
-                  <c:v>0</c:v>
-                </c:pt>
-                <c:pt idx="10">
-                  <c:v>0</c:v>
-                </c:pt>
-                <c:pt idx="11">
-                  <c:v>0</c:v>
-                </c:pt>
-                <c:pt idx="12">
-                  <c:v>0</c:v>
-                </c:pt>
-                <c:pt idx="13">
-                  <c:v>0</c:v>
-                </c:pt>
-                <c:pt idx="14">
-                  <c:v>0</c:v>
-                </c:pt>
-                <c:pt idx="15">
-                  <c:v>0</c:v>
-                </c:pt>
-                <c:pt idx="16">
-                  <c:v>0</c:v>
-                </c:pt>
-                <c:pt idx="17">
-                  <c:v>0</c:v>
-                </c:pt>
-                <c:pt idx="18">
-                  <c:v>0</c:v>
-                </c:pt>
-                <c:pt idx="19">
-                  <c:v>0</c:v>
-                </c:pt>
-                <c:pt idx="20">
-                  <c:v>0</c:v>
-                </c:pt>
-                <c:pt idx="21">
-                  <c:v>0</c:v>
-                </c:pt>
-                <c:pt idx="22">
-                  <c:v>0</c:v>
-                </c:pt>
-                <c:pt idx="23">
-                  <c:v>0</c:v>
-                </c:pt>
-                <c:pt idx="24">
-                  <c:v>0</c:v>
-                </c:pt>
-                <c:pt idx="25">
-                  <c:v>0</c:v>
-                </c:pt>
-                <c:pt idx="26">
-                  <c:v>0</c:v>
-                </c:pt>
-                <c:pt idx="27">
-                  <c:v>0</c:v>
-                </c:pt>
-              </c:numCache>
-            </c:numRef>
-          </c:val>
-          <c:extLst>
-            <c:ext xmlns:c16="http://schemas.microsoft.com/office/drawing/2014/chart" uri="{C3380CC4-5D6E-409C-BE32-E72D297353CC}">
-              <c16:uniqueId val="{00000000-3B7D-4A9D-8919-161CB8622A9F}"/>
+              <c16:uniqueId val="{00000003-6AC6-4215-BF54-7FDA2EE2241F}"/>
             </c:ext>
           </c:extLst>
         </c:ser>
@@ -962,55 +1215,22 @@
           <c:showPercent val="0"/>
           <c:showBubbleSize val="0"/>
         </c:dLbls>
-        <c:gapWidth val="182"/>
-        <c:axId val="2004586784"/>
-        <c:axId val="2004579584"/>
+        <c:gapWidth val="5"/>
+        <c:axId val="2004624704"/>
+        <c:axId val="2004614624"/>
       </c:barChart>
       <c:catAx>
-        <c:axId val="2004586784"/>
+        <c:axId val="2004624704"/>
         <c:scaling>
           <c:orientation val="minMax"/>
         </c:scaling>
-        <c:delete val="0"/>
+        <c:delete val="1"/>
         <c:axPos val="r"/>
         <c:numFmt formatCode="General" sourceLinked="1"/>
-        <c:majorTickMark val="none"/>
+        <c:majorTickMark val="out"/>
         <c:minorTickMark val="none"/>
         <c:tickLblPos val="nextTo"/>
-        <c:spPr>
-          <a:noFill/>
-          <a:ln w="9525" cap="flat" cmpd="sng" algn="ctr">
-            <a:solidFill>
-              <a:schemeClr val="tx1">
-                <a:lumMod val="15000"/>
-                <a:lumOff val="85000"/>
-              </a:schemeClr>
-            </a:solidFill>
-            <a:round/>
-          </a:ln>
-          <a:effectLst/>
-        </c:spPr>
-        <c:txPr>
-          <a:bodyPr rot="-60000000" spcFirstLastPara="1" vertOverflow="ellipsis" vert="horz" wrap="square" anchor="ctr" anchorCtr="1"/>
-          <a:lstStyle/>
-          <a:p>
-            <a:pPr>
-              <a:defRPr sz="1197" b="0" i="0" u="none" strike="noStrike" kern="1200" baseline="0">
-                <a:solidFill>
-                  <a:schemeClr val="tx1">
-                    <a:lumMod val="65000"/>
-                    <a:lumOff val="35000"/>
-                  </a:schemeClr>
-                </a:solidFill>
-                <a:latin typeface="+mn-lt"/>
-                <a:ea typeface="+mn-ea"/>
-                <a:cs typeface="+mn-cs"/>
-              </a:defRPr>
-            </a:pPr>
-            <a:endParaRPr lang="en-US"/>
-          </a:p>
-        </c:txPr>
-        <c:crossAx val="2004579584"/>
+        <c:crossAx val="2004614624"/>
         <c:crosses val="autoZero"/>
         <c:auto val="1"/>
         <c:lblAlgn val="ctr"/>
@@ -1018,10 +1238,10 @@
         <c:noMultiLvlLbl val="0"/>
       </c:catAx>
       <c:valAx>
-        <c:axId val="2004579584"/>
+        <c:axId val="2004614624"/>
         <c:scaling>
           <c:orientation val="maxMin"/>
-          <c:max val="80"/>
+          <c:min val="10"/>
         </c:scaling>
         <c:delete val="0"/>
         <c:axPos val="b"/>
@@ -1040,7 +1260,7 @@
           </c:spPr>
         </c:majorGridlines>
         <c:numFmt formatCode="General" sourceLinked="1"/>
-        <c:majorTickMark val="none"/>
+        <c:majorTickMark val="out"/>
         <c:minorTickMark val="none"/>
         <c:tickLblPos val="nextTo"/>
         <c:spPr>
@@ -1070,13 +1290,13 @@
             <a:endParaRPr lang="en-US"/>
           </a:p>
         </c:txPr>
-        <c:crossAx val="2004586784"/>
+        <c:crossAx val="2004624704"/>
         <c:crosses val="autoZero"/>
         <c:crossBetween val="between"/>
       </c:valAx>
       <c:spPr>
         <a:noFill/>
-        <a:ln>
+        <a:ln cmpd="sng">
           <a:noFill/>
         </a:ln>
         <a:effectLst/>
@@ -1130,76 +1350,19 @@
     </mc:Fallback>
   </mc:AlternateContent>
   <c:chart>
-    <c:title>
-      <c:tx>
-        <c:rich>
-          <a:bodyPr rot="0" spcFirstLastPara="1" vertOverflow="ellipsis" vert="horz" wrap="square" anchor="ctr" anchorCtr="1"/>
-          <a:lstStyle/>
-          <a:p>
-            <a:pPr>
-              <a:defRPr sz="1862" b="0" i="0" u="none" strike="noStrike" kern="1200" spc="0" baseline="0">
-                <a:solidFill>
-                  <a:schemeClr val="tx1">
-                    <a:lumMod val="65000"/>
-                    <a:lumOff val="35000"/>
-                  </a:schemeClr>
-                </a:solidFill>
-                <a:latin typeface="+mn-lt"/>
-                <a:ea typeface="+mn-ea"/>
-                <a:cs typeface="+mn-cs"/>
-              </a:defRPr>
-            </a:pPr>
-            <a:r>
-              <a:rPr lang="en-US"/>
-              <a:t>SS </a:t>
-            </a:r>
-            <a:r>
-              <a:rPr lang="en-US" dirty="0"/>
-              <a:t>scores</a:t>
-            </a:r>
-          </a:p>
-        </c:rich>
-      </c:tx>
+    <c:autoTitleDeleted val="1"/>
+    <c:plotArea>
       <c:layout>
         <c:manualLayout>
+          <c:layoutTarget val="inner"/>
           <c:xMode val="edge"/>
           <c:yMode val="edge"/>
-          <c:x val="0.130365296803653"/>
-          <c:y val="1.1111111111111112E-2"/>
+          <c:x val="0.13015331559582449"/>
+          <c:y val="3.8388888888888882E-2"/>
+          <c:w val="0.83681460761963278"/>
+          <c:h val="0.90845042286380873"/>
         </c:manualLayout>
       </c:layout>
-      <c:overlay val="0"/>
-      <c:spPr>
-        <a:noFill/>
-        <a:ln>
-          <a:noFill/>
-        </a:ln>
-        <a:effectLst/>
-      </c:spPr>
-      <c:txPr>
-        <a:bodyPr rot="0" spcFirstLastPara="1" vertOverflow="ellipsis" vert="horz" wrap="square" anchor="ctr" anchorCtr="1"/>
-        <a:lstStyle/>
-        <a:p>
-          <a:pPr>
-            <a:defRPr sz="1862" b="0" i="0" u="none" strike="noStrike" kern="1200" spc="0" baseline="0">
-              <a:solidFill>
-                <a:schemeClr val="tx1">
-                  <a:lumMod val="65000"/>
-                  <a:lumOff val="35000"/>
-                </a:schemeClr>
-              </a:solidFill>
-              <a:latin typeface="+mn-lt"/>
-              <a:ea typeface="+mn-ea"/>
-              <a:cs typeface="+mn-cs"/>
-            </a:defRPr>
-          </a:pPr>
-          <a:endParaRPr lang="en-US"/>
-        </a:p>
-      </c:txPr>
-    </c:title>
-    <c:autoTitleDeleted val="0"/>
-    <c:plotArea>
-      <c:layout/>
       <c:barChart>
         <c:barDir val="bar"/>
         <c:grouping val="clustered"/>
@@ -1234,88 +1397,88 @@
               <c:strCache>
                 <c:ptCount val="28"/>
                 <c:pt idx="0">
-                  <c:v>Subject 28</c:v>
+                  <c:v>Sub 28</c:v>
                 </c:pt>
                 <c:pt idx="1">
-                  <c:v>Subject 27</c:v>
+                  <c:v>Sub 27</c:v>
                 </c:pt>
                 <c:pt idx="2">
-                  <c:v>Subject 26</c:v>
+                  <c:v>Sub 26</c:v>
                 </c:pt>
                 <c:pt idx="3">
-                  <c:v>Subject 25</c:v>
+                  <c:v>Sub 25</c:v>
                 </c:pt>
                 <c:pt idx="4">
-                  <c:v>Subject 24</c:v>
+                  <c:v>Sub 24</c:v>
                 </c:pt>
                 <c:pt idx="5">
-                  <c:v>Subject 23</c:v>
+                  <c:v>Sub 23</c:v>
                 </c:pt>
                 <c:pt idx="6">
-                  <c:v>Subject 22</c:v>
+                  <c:v>Sub 22</c:v>
                 </c:pt>
                 <c:pt idx="7">
-                  <c:v>Subject 21</c:v>
+                  <c:v>Sub 21</c:v>
                 </c:pt>
                 <c:pt idx="8">
-                  <c:v>Subject 20</c:v>
+                  <c:v>Sub 20</c:v>
                 </c:pt>
                 <c:pt idx="9">
-                  <c:v>Subject 19</c:v>
+                  <c:v>Sub 19</c:v>
                 </c:pt>
                 <c:pt idx="10">
-                  <c:v>Subject 18</c:v>
+                  <c:v>Sub 18</c:v>
                 </c:pt>
                 <c:pt idx="11">
-                  <c:v>Subject 17</c:v>
+                  <c:v>Sub 17</c:v>
                 </c:pt>
                 <c:pt idx="12">
-                  <c:v>Subject 16</c:v>
+                  <c:v>Sub 16</c:v>
                 </c:pt>
                 <c:pt idx="13">
-                  <c:v>Subject 15</c:v>
+                  <c:v>Sub 15</c:v>
                 </c:pt>
                 <c:pt idx="14">
-                  <c:v>Subject 14</c:v>
+                  <c:v>Sub 14</c:v>
                 </c:pt>
                 <c:pt idx="15">
-                  <c:v>Subject 13</c:v>
+                  <c:v>Sub 13</c:v>
                 </c:pt>
                 <c:pt idx="16">
-                  <c:v>Subject 12</c:v>
+                  <c:v>Sub 12</c:v>
                 </c:pt>
                 <c:pt idx="17">
-                  <c:v>Subject 11</c:v>
+                  <c:v>Sub 11</c:v>
                 </c:pt>
                 <c:pt idx="18">
-                  <c:v>Subject 10</c:v>
+                  <c:v>Sub 10</c:v>
                 </c:pt>
                 <c:pt idx="19">
-                  <c:v>Subject 09</c:v>
+                  <c:v>Sub 09</c:v>
                 </c:pt>
                 <c:pt idx="20">
-                  <c:v>Subject 08</c:v>
+                  <c:v>Sub 08</c:v>
                 </c:pt>
                 <c:pt idx="21">
-                  <c:v>Subject 07</c:v>
+                  <c:v>Sub 07</c:v>
                 </c:pt>
                 <c:pt idx="22">
-                  <c:v>Subject 06</c:v>
+                  <c:v>Sub 06</c:v>
                 </c:pt>
                 <c:pt idx="23">
-                  <c:v>Subject 05</c:v>
+                  <c:v>Sub 05</c:v>
                 </c:pt>
                 <c:pt idx="24">
-                  <c:v>Subject 04</c:v>
+                  <c:v>Sub 04</c:v>
                 </c:pt>
                 <c:pt idx="25">
-                  <c:v>Subject 03</c:v>
+                  <c:v>Sub 03</c:v>
                 </c:pt>
                 <c:pt idx="26">
-                  <c:v>Subject 02</c:v>
+                  <c:v>Sub 02</c:v>
                 </c:pt>
                 <c:pt idx="27">
-                  <c:v>Subject 01</c:v>
+                  <c:v>Sub 01</c:v>
                 </c:pt>
               </c:strCache>
             </c:strRef>
@@ -1415,7 +1578,7 @@
           </c:val>
           <c:extLst>
             <c:ext xmlns:c16="http://schemas.microsoft.com/office/drawing/2014/chart" uri="{C3380CC4-5D6E-409C-BE32-E72D297353CC}">
-              <c16:uniqueId val="{00000000-35EC-43CB-A0D2-2F3582D27D3C}"/>
+              <c16:uniqueId val="{00000000-356E-4F1D-8D82-5D7EC9495539}"/>
             </c:ext>
           </c:extLst>
         </c:ser>
@@ -1449,88 +1612,88 @@
               <c:strCache>
                 <c:ptCount val="28"/>
                 <c:pt idx="0">
-                  <c:v>Subject 28</c:v>
+                  <c:v>Sub 28</c:v>
                 </c:pt>
                 <c:pt idx="1">
-                  <c:v>Subject 27</c:v>
+                  <c:v>Sub 27</c:v>
                 </c:pt>
                 <c:pt idx="2">
-                  <c:v>Subject 26</c:v>
+                  <c:v>Sub 26</c:v>
                 </c:pt>
                 <c:pt idx="3">
-                  <c:v>Subject 25</c:v>
+                  <c:v>Sub 25</c:v>
                 </c:pt>
                 <c:pt idx="4">
-                  <c:v>Subject 24</c:v>
+                  <c:v>Sub 24</c:v>
                 </c:pt>
                 <c:pt idx="5">
-                  <c:v>Subject 23</c:v>
+                  <c:v>Sub 23</c:v>
                 </c:pt>
                 <c:pt idx="6">
-                  <c:v>Subject 22</c:v>
+                  <c:v>Sub 22</c:v>
                 </c:pt>
                 <c:pt idx="7">
-                  <c:v>Subject 21</c:v>
+                  <c:v>Sub 21</c:v>
                 </c:pt>
                 <c:pt idx="8">
-                  <c:v>Subject 20</c:v>
+                  <c:v>Sub 20</c:v>
                 </c:pt>
                 <c:pt idx="9">
-                  <c:v>Subject 19</c:v>
+                  <c:v>Sub 19</c:v>
                 </c:pt>
                 <c:pt idx="10">
-                  <c:v>Subject 18</c:v>
+                  <c:v>Sub 18</c:v>
                 </c:pt>
                 <c:pt idx="11">
-                  <c:v>Subject 17</c:v>
+                  <c:v>Sub 17</c:v>
                 </c:pt>
                 <c:pt idx="12">
-                  <c:v>Subject 16</c:v>
+                  <c:v>Sub 16</c:v>
                 </c:pt>
                 <c:pt idx="13">
-                  <c:v>Subject 15</c:v>
+                  <c:v>Sub 15</c:v>
                 </c:pt>
                 <c:pt idx="14">
-                  <c:v>Subject 14</c:v>
+                  <c:v>Sub 14</c:v>
                 </c:pt>
                 <c:pt idx="15">
-                  <c:v>Subject 13</c:v>
+                  <c:v>Sub 13</c:v>
                 </c:pt>
                 <c:pt idx="16">
-                  <c:v>Subject 12</c:v>
+                  <c:v>Sub 12</c:v>
                 </c:pt>
                 <c:pt idx="17">
-                  <c:v>Subject 11</c:v>
+                  <c:v>Sub 11</c:v>
                 </c:pt>
                 <c:pt idx="18">
-                  <c:v>Subject 10</c:v>
+                  <c:v>Sub 10</c:v>
                 </c:pt>
                 <c:pt idx="19">
-                  <c:v>Subject 09</c:v>
+                  <c:v>Sub 09</c:v>
                 </c:pt>
                 <c:pt idx="20">
-                  <c:v>Subject 08</c:v>
+                  <c:v>Sub 08</c:v>
                 </c:pt>
                 <c:pt idx="21">
-                  <c:v>Subject 07</c:v>
+                  <c:v>Sub 07</c:v>
                 </c:pt>
                 <c:pt idx="22">
-                  <c:v>Subject 06</c:v>
+                  <c:v>Sub 06</c:v>
                 </c:pt>
                 <c:pt idx="23">
-                  <c:v>Subject 05</c:v>
+                  <c:v>Sub 05</c:v>
                 </c:pt>
                 <c:pt idx="24">
-                  <c:v>Subject 04</c:v>
+                  <c:v>Sub 04</c:v>
                 </c:pt>
                 <c:pt idx="25">
-                  <c:v>Subject 03</c:v>
+                  <c:v>Sub 03</c:v>
                 </c:pt>
                 <c:pt idx="26">
-                  <c:v>Subject 02</c:v>
+                  <c:v>Sub 02</c:v>
                 </c:pt>
                 <c:pt idx="27">
-                  <c:v>Subject 01</c:v>
+                  <c:v>Sub 01</c:v>
                 </c:pt>
               </c:strCache>
             </c:strRef>
@@ -1627,7 +1790,7 @@
           </c:val>
           <c:extLst>
             <c:ext xmlns:c16="http://schemas.microsoft.com/office/drawing/2014/chart" uri="{C3380CC4-5D6E-409C-BE32-E72D297353CC}">
-              <c16:uniqueId val="{00000001-35EC-43CB-A0D2-2F3582D27D3C}"/>
+              <c16:uniqueId val="{00000001-356E-4F1D-8D82-5D7EC9495539}"/>
             </c:ext>
           </c:extLst>
         </c:ser>
@@ -1661,88 +1824,88 @@
               <c:strCache>
                 <c:ptCount val="28"/>
                 <c:pt idx="0">
-                  <c:v>Subject 28</c:v>
+                  <c:v>Sub 28</c:v>
                 </c:pt>
                 <c:pt idx="1">
-                  <c:v>Subject 27</c:v>
+                  <c:v>Sub 27</c:v>
                 </c:pt>
                 <c:pt idx="2">
-                  <c:v>Subject 26</c:v>
+                  <c:v>Sub 26</c:v>
                 </c:pt>
                 <c:pt idx="3">
-                  <c:v>Subject 25</c:v>
+                  <c:v>Sub 25</c:v>
                 </c:pt>
                 <c:pt idx="4">
-                  <c:v>Subject 24</c:v>
+                  <c:v>Sub 24</c:v>
                 </c:pt>
                 <c:pt idx="5">
-                  <c:v>Subject 23</c:v>
+                  <c:v>Sub 23</c:v>
                 </c:pt>
                 <c:pt idx="6">
-                  <c:v>Subject 22</c:v>
+                  <c:v>Sub 22</c:v>
                 </c:pt>
                 <c:pt idx="7">
-                  <c:v>Subject 21</c:v>
+                  <c:v>Sub 21</c:v>
                 </c:pt>
                 <c:pt idx="8">
-                  <c:v>Subject 20</c:v>
+                  <c:v>Sub 20</c:v>
                 </c:pt>
                 <c:pt idx="9">
-                  <c:v>Subject 19</c:v>
+                  <c:v>Sub 19</c:v>
                 </c:pt>
                 <c:pt idx="10">
-                  <c:v>Subject 18</c:v>
+                  <c:v>Sub 18</c:v>
                 </c:pt>
                 <c:pt idx="11">
-                  <c:v>Subject 17</c:v>
+                  <c:v>Sub 17</c:v>
                 </c:pt>
                 <c:pt idx="12">
-                  <c:v>Subject 16</c:v>
+                  <c:v>Sub 16</c:v>
                 </c:pt>
                 <c:pt idx="13">
-                  <c:v>Subject 15</c:v>
+                  <c:v>Sub 15</c:v>
                 </c:pt>
                 <c:pt idx="14">
-                  <c:v>Subject 14</c:v>
+                  <c:v>Sub 14</c:v>
                 </c:pt>
                 <c:pt idx="15">
-                  <c:v>Subject 13</c:v>
+                  <c:v>Sub 13</c:v>
                 </c:pt>
                 <c:pt idx="16">
-                  <c:v>Subject 12</c:v>
+                  <c:v>Sub 12</c:v>
                 </c:pt>
                 <c:pt idx="17">
-                  <c:v>Subject 11</c:v>
+                  <c:v>Sub 11</c:v>
                 </c:pt>
                 <c:pt idx="18">
-                  <c:v>Subject 10</c:v>
+                  <c:v>Sub 10</c:v>
                 </c:pt>
                 <c:pt idx="19">
-                  <c:v>Subject 09</c:v>
+                  <c:v>Sub 09</c:v>
                 </c:pt>
                 <c:pt idx="20">
-                  <c:v>Subject 08</c:v>
+                  <c:v>Sub 08</c:v>
                 </c:pt>
                 <c:pt idx="21">
-                  <c:v>Subject 07</c:v>
+                  <c:v>Sub 07</c:v>
                 </c:pt>
                 <c:pt idx="22">
-                  <c:v>Subject 06</c:v>
+                  <c:v>Sub 06</c:v>
                 </c:pt>
                 <c:pt idx="23">
-                  <c:v>Subject 05</c:v>
+                  <c:v>Sub 05</c:v>
                 </c:pt>
                 <c:pt idx="24">
-                  <c:v>Subject 04</c:v>
+                  <c:v>Sub 04</c:v>
                 </c:pt>
                 <c:pt idx="25">
-                  <c:v>Subject 03</c:v>
+                  <c:v>Sub 03</c:v>
                 </c:pt>
                 <c:pt idx="26">
-                  <c:v>Subject 02</c:v>
+                  <c:v>Sub 02</c:v>
                 </c:pt>
                 <c:pt idx="27">
-                  <c:v>Subject 01</c:v>
+                  <c:v>Sub 01</c:v>
                 </c:pt>
               </c:strCache>
             </c:strRef>
@@ -1842,7 +2005,7 @@
           </c:val>
           <c:extLst>
             <c:ext xmlns:c16="http://schemas.microsoft.com/office/drawing/2014/chart" uri="{C3380CC4-5D6E-409C-BE32-E72D297353CC}">
-              <c16:uniqueId val="{00000002-35EC-43CB-A0D2-2F3582D27D3C}"/>
+              <c16:uniqueId val="{00000002-356E-4F1D-8D82-5D7EC9495539}"/>
             </c:ext>
           </c:extLst>
         </c:ser>
@@ -1878,88 +2041,88 @@
               <c:strCache>
                 <c:ptCount val="28"/>
                 <c:pt idx="0">
-                  <c:v>Subject 28</c:v>
+                  <c:v>Sub 28</c:v>
                 </c:pt>
                 <c:pt idx="1">
-                  <c:v>Subject 27</c:v>
+                  <c:v>Sub 27</c:v>
                 </c:pt>
                 <c:pt idx="2">
-                  <c:v>Subject 26</c:v>
+                  <c:v>Sub 26</c:v>
                 </c:pt>
                 <c:pt idx="3">
-                  <c:v>Subject 25</c:v>
+                  <c:v>Sub 25</c:v>
                 </c:pt>
                 <c:pt idx="4">
-                  <c:v>Subject 24</c:v>
+                  <c:v>Sub 24</c:v>
                 </c:pt>
                 <c:pt idx="5">
-                  <c:v>Subject 23</c:v>
+                  <c:v>Sub 23</c:v>
                 </c:pt>
                 <c:pt idx="6">
-                  <c:v>Subject 22</c:v>
+                  <c:v>Sub 22</c:v>
                 </c:pt>
                 <c:pt idx="7">
-                  <c:v>Subject 21</c:v>
+                  <c:v>Sub 21</c:v>
                 </c:pt>
                 <c:pt idx="8">
-                  <c:v>Subject 20</c:v>
+                  <c:v>Sub 20</c:v>
                 </c:pt>
                 <c:pt idx="9">
-                  <c:v>Subject 19</c:v>
+                  <c:v>Sub 19</c:v>
                 </c:pt>
                 <c:pt idx="10">
-                  <c:v>Subject 18</c:v>
+                  <c:v>Sub 18</c:v>
                 </c:pt>
                 <c:pt idx="11">
-                  <c:v>Subject 17</c:v>
+                  <c:v>Sub 17</c:v>
                 </c:pt>
                 <c:pt idx="12">
-                  <c:v>Subject 16</c:v>
+                  <c:v>Sub 16</c:v>
                 </c:pt>
                 <c:pt idx="13">
-                  <c:v>Subject 15</c:v>
+                  <c:v>Sub 15</c:v>
                 </c:pt>
                 <c:pt idx="14">
-                  <c:v>Subject 14</c:v>
+                  <c:v>Sub 14</c:v>
                 </c:pt>
                 <c:pt idx="15">
-                  <c:v>Subject 13</c:v>
+                  <c:v>Sub 13</c:v>
                 </c:pt>
                 <c:pt idx="16">
-                  <c:v>Subject 12</c:v>
+                  <c:v>Sub 12</c:v>
                 </c:pt>
                 <c:pt idx="17">
-                  <c:v>Subject 11</c:v>
+                  <c:v>Sub 11</c:v>
                 </c:pt>
                 <c:pt idx="18">
-                  <c:v>Subject 10</c:v>
+                  <c:v>Sub 10</c:v>
                 </c:pt>
                 <c:pt idx="19">
-                  <c:v>Subject 09</c:v>
+                  <c:v>Sub 09</c:v>
                 </c:pt>
                 <c:pt idx="20">
-                  <c:v>Subject 08</c:v>
+                  <c:v>Sub 08</c:v>
                 </c:pt>
                 <c:pt idx="21">
-                  <c:v>Subject 07</c:v>
+                  <c:v>Sub 07</c:v>
                 </c:pt>
                 <c:pt idx="22">
-                  <c:v>Subject 06</c:v>
+                  <c:v>Sub 06</c:v>
                 </c:pt>
                 <c:pt idx="23">
-                  <c:v>Subject 05</c:v>
+                  <c:v>Sub 05</c:v>
                 </c:pt>
                 <c:pt idx="24">
-                  <c:v>Subject 04</c:v>
+                  <c:v>Sub 04</c:v>
                 </c:pt>
                 <c:pt idx="25">
-                  <c:v>Subject 03</c:v>
+                  <c:v>Sub 03</c:v>
                 </c:pt>
                 <c:pt idx="26">
-                  <c:v>Subject 02</c:v>
+                  <c:v>Sub 02</c:v>
                 </c:pt>
                 <c:pt idx="27">
-                  <c:v>Subject 01</c:v>
+                  <c:v>Sub 01</c:v>
                 </c:pt>
               </c:strCache>
             </c:strRef>
@@ -2059,7 +2222,7 @@
           </c:val>
           <c:extLst>
             <c:ext xmlns:c16="http://schemas.microsoft.com/office/drawing/2014/chart" uri="{C3380CC4-5D6E-409C-BE32-E72D297353CC}">
-              <c16:uniqueId val="{00000003-35EC-43CB-A0D2-2F3582D27D3C}"/>
+              <c16:uniqueId val="{00000003-356E-4F1D-8D82-5D7EC9495539}"/>
             </c:ext>
           </c:extLst>
         </c:ser>
@@ -2071,7 +2234,7 @@
           <c:showPercent val="0"/>
           <c:showBubbleSize val="0"/>
         </c:dLbls>
-        <c:gapWidth val="182"/>
+        <c:gapWidth val="5"/>
         <c:axId val="2004624704"/>
         <c:axId val="2004614624"/>
       </c:barChart>
@@ -2080,45 +2243,12 @@
         <c:scaling>
           <c:orientation val="minMax"/>
         </c:scaling>
-        <c:delete val="0"/>
+        <c:delete val="1"/>
         <c:axPos val="l"/>
         <c:numFmt formatCode="General" sourceLinked="1"/>
         <c:majorTickMark val="out"/>
         <c:minorTickMark val="none"/>
         <c:tickLblPos val="nextTo"/>
-        <c:spPr>
-          <a:noFill/>
-          <a:ln w="9525" cap="flat" cmpd="sng" algn="ctr">
-            <a:solidFill>
-              <a:schemeClr val="tx1">
-                <a:lumMod val="15000"/>
-                <a:lumOff val="85000"/>
-              </a:schemeClr>
-            </a:solidFill>
-            <a:round/>
-          </a:ln>
-          <a:effectLst/>
-        </c:spPr>
-        <c:txPr>
-          <a:bodyPr rot="-60000000" spcFirstLastPara="1" vertOverflow="ellipsis" vert="horz" wrap="square" anchor="ctr" anchorCtr="1"/>
-          <a:lstStyle/>
-          <a:p>
-            <a:pPr>
-              <a:defRPr sz="1197" b="0" i="0" u="none" strike="noStrike" kern="1200" baseline="0">
-                <a:solidFill>
-                  <a:schemeClr val="tx1">
-                    <a:lumMod val="65000"/>
-                    <a:lumOff val="35000"/>
-                  </a:schemeClr>
-                </a:solidFill>
-                <a:latin typeface="+mn-lt"/>
-                <a:ea typeface="+mn-ea"/>
-                <a:cs typeface="+mn-cs"/>
-              </a:defRPr>
-            </a:pPr>
-            <a:endParaRPr lang="en-US"/>
-          </a:p>
-        </c:txPr>
         <c:crossAx val="2004614624"/>
         <c:crosses val="autoZero"/>
         <c:auto val="1"/>
@@ -2196,17 +2326,21 @@
         <c:manualLayout>
           <c:xMode val="edge"/>
           <c:yMode val="edge"/>
-          <c:x val="0.68999373794029173"/>
-          <c:y val="0.58506867891513559"/>
-          <c:w val="0.13116303527127601"/>
-          <c:h val="0.15158471857684455"/>
+          <c:x val="0.65220638910876128"/>
+          <c:y val="0.29617979002624673"/>
+          <c:w val="0.18058529608269203"/>
+          <c:h val="0.15714027413240012"/>
         </c:manualLayout>
       </c:layout>
       <c:overlay val="0"/>
       <c:spPr>
-        <a:noFill/>
+        <a:solidFill>
+          <a:schemeClr val="bg1"/>
+        </a:solidFill>
         <a:ln>
-          <a:noFill/>
+          <a:solidFill>
+            <a:srgbClr val="D9D9D9"/>
+          </a:solidFill>
         </a:ln>
         <a:effectLst/>
       </c:spPr>
@@ -3498,7 +3632,7 @@
           <a:p>
             <a:fld id="{8977503D-6457-44A6-8CA8-B289A600234F}" type="datetimeFigureOut">
               <a:rPr lang="en-US" smtClean="0"/>
-              <a:t>5/2/2023</a:t>
+              <a:t>5/12/2023</a:t>
             </a:fld>
             <a:endParaRPr lang="en-US"/>
           </a:p>
@@ -3698,7 +3832,7 @@
           <a:p>
             <a:fld id="{8977503D-6457-44A6-8CA8-B289A600234F}" type="datetimeFigureOut">
               <a:rPr lang="en-US" smtClean="0"/>
-              <a:t>5/2/2023</a:t>
+              <a:t>5/12/2023</a:t>
             </a:fld>
             <a:endParaRPr lang="en-US"/>
           </a:p>
@@ -3908,7 +4042,7 @@
           <a:p>
             <a:fld id="{8977503D-6457-44A6-8CA8-B289A600234F}" type="datetimeFigureOut">
               <a:rPr lang="en-US" smtClean="0"/>
-              <a:t>5/2/2023</a:t>
+              <a:t>5/12/2023</a:t>
             </a:fld>
             <a:endParaRPr lang="en-US"/>
           </a:p>
@@ -4108,7 +4242,7 @@
           <a:p>
             <a:fld id="{8977503D-6457-44A6-8CA8-B289A600234F}" type="datetimeFigureOut">
               <a:rPr lang="en-US" smtClean="0"/>
-              <a:t>5/2/2023</a:t>
+              <a:t>5/12/2023</a:t>
             </a:fld>
             <a:endParaRPr lang="en-US"/>
           </a:p>
@@ -4384,7 +4518,7 @@
           <a:p>
             <a:fld id="{8977503D-6457-44A6-8CA8-B289A600234F}" type="datetimeFigureOut">
               <a:rPr lang="en-US" smtClean="0"/>
-              <a:t>5/2/2023</a:t>
+              <a:t>5/12/2023</a:t>
             </a:fld>
             <a:endParaRPr lang="en-US"/>
           </a:p>
@@ -4652,7 +4786,7 @@
           <a:p>
             <a:fld id="{8977503D-6457-44A6-8CA8-B289A600234F}" type="datetimeFigureOut">
               <a:rPr lang="en-US" smtClean="0"/>
-              <a:t>5/2/2023</a:t>
+              <a:t>5/12/2023</a:t>
             </a:fld>
             <a:endParaRPr lang="en-US"/>
           </a:p>
@@ -5067,7 +5201,7 @@
           <a:p>
             <a:fld id="{8977503D-6457-44A6-8CA8-B289A600234F}" type="datetimeFigureOut">
               <a:rPr lang="en-US" smtClean="0"/>
-              <a:t>5/2/2023</a:t>
+              <a:t>5/12/2023</a:t>
             </a:fld>
             <a:endParaRPr lang="en-US"/>
           </a:p>
@@ -5209,7 +5343,7 @@
           <a:p>
             <a:fld id="{8977503D-6457-44A6-8CA8-B289A600234F}" type="datetimeFigureOut">
               <a:rPr lang="en-US" smtClean="0"/>
-              <a:t>5/2/2023</a:t>
+              <a:t>5/12/2023</a:t>
             </a:fld>
             <a:endParaRPr lang="en-US"/>
           </a:p>
@@ -5322,7 +5456,7 @@
           <a:p>
             <a:fld id="{8977503D-6457-44A6-8CA8-B289A600234F}" type="datetimeFigureOut">
               <a:rPr lang="en-US" smtClean="0"/>
-              <a:t>5/2/2023</a:t>
+              <a:t>5/12/2023</a:t>
             </a:fld>
             <a:endParaRPr lang="en-US"/>
           </a:p>
@@ -5635,7 +5769,7 @@
           <a:p>
             <a:fld id="{8977503D-6457-44A6-8CA8-B289A600234F}" type="datetimeFigureOut">
               <a:rPr lang="en-US" smtClean="0"/>
-              <a:t>5/2/2023</a:t>
+              <a:t>5/12/2023</a:t>
             </a:fld>
             <a:endParaRPr lang="en-US"/>
           </a:p>
@@ -5924,7 +6058,7 @@
           <a:p>
             <a:fld id="{8977503D-6457-44A6-8CA8-B289A600234F}" type="datetimeFigureOut">
               <a:rPr lang="en-US" smtClean="0"/>
-              <a:t>5/2/2023</a:t>
+              <a:t>5/12/2023</a:t>
             </a:fld>
             <a:endParaRPr lang="en-US"/>
           </a:p>
@@ -6167,7 +6301,7 @@
           <a:p>
             <a:fld id="{8977503D-6457-44A6-8CA8-B289A600234F}" type="datetimeFigureOut">
               <a:rPr lang="en-US" smtClean="0"/>
-              <a:t>5/2/2023</a:t>
+              <a:t>5/12/2023</a:t>
             </a:fld>
             <a:endParaRPr lang="en-US"/>
           </a:p>
@@ -6586,10 +6720,10 @@
       </p:grpSpPr>
       <p:graphicFrame>
         <p:nvGraphicFramePr>
-          <p:cNvPr id="11" name="Diagram 10">
+          <p:cNvPr id="4" name="Diagram 3">
             <a:extLst>
               <a:ext uri="{FF2B5EF4-FFF2-40B4-BE49-F238E27FC236}">
-                <a16:creationId xmlns:a16="http://schemas.microsoft.com/office/drawing/2014/main" id="{88B7FDD0-C234-BED2-B45E-0D4B7F428704}"/>
+                <a16:creationId xmlns:a16="http://schemas.microsoft.com/office/drawing/2014/main" id="{295EF807-6078-516D-172E-5065BF4B189B}"/>
               </a:ext>
             </a:extLst>
           </p:cNvPr>
@@ -6597,14 +6731,14 @@
           <p:nvPr>
             <p:extLst>
               <p:ext uri="{D42A27DB-BD31-4B8C-83A1-F6EECF244321}">
-                <p14:modId xmlns:p14="http://schemas.microsoft.com/office/powerpoint/2010/main" val="1247405887"/>
+                <p14:modId xmlns:p14="http://schemas.microsoft.com/office/powerpoint/2010/main" val="3379912427"/>
               </p:ext>
             </p:extLst>
           </p:nvPr>
         </p:nvGraphicFramePr>
         <p:xfrm>
-          <a:off x="-776377" y="0"/>
-          <a:ext cx="6675120" cy="6858000"/>
+          <a:off x="1" y="138024"/>
+          <a:ext cx="4638675" cy="6581954"/>
         </p:xfrm>
         <a:graphic>
           <a:graphicData uri="http://schemas.openxmlformats.org/drawingml/2006/chart">
@@ -6614,10 +6748,10 @@
       </p:graphicFrame>
       <p:graphicFrame>
         <p:nvGraphicFramePr>
-          <p:cNvPr id="2" name="Diagram 1">
+          <p:cNvPr id="5" name="Diagram 4">
             <a:extLst>
               <a:ext uri="{FF2B5EF4-FFF2-40B4-BE49-F238E27FC236}">
-                <a16:creationId xmlns:a16="http://schemas.microsoft.com/office/drawing/2014/main" id="{13393FFB-742B-1993-7C82-C6F8EF24D6E0}"/>
+                <a16:creationId xmlns:a16="http://schemas.microsoft.com/office/drawing/2014/main" id="{C5156E89-E663-552E-3405-3C7F9046C608}"/>
               </a:ext>
             </a:extLst>
           </p:cNvPr>
@@ -6625,14 +6759,14 @@
           <p:nvPr>
             <p:extLst>
               <p:ext uri="{D42A27DB-BD31-4B8C-83A1-F6EECF244321}">
-                <p14:modId xmlns:p14="http://schemas.microsoft.com/office/powerpoint/2010/main" val="3963529757"/>
+                <p14:modId xmlns:p14="http://schemas.microsoft.com/office/powerpoint/2010/main" val="2878441080"/>
               </p:ext>
             </p:extLst>
           </p:nvPr>
         </p:nvGraphicFramePr>
         <p:xfrm>
-          <a:off x="4585227" y="0"/>
-          <a:ext cx="6675120" cy="6858000"/>
+          <a:off x="4086223" y="138023"/>
+          <a:ext cx="4638675" cy="6581954"/>
         </p:xfrm>
         <a:graphic>
           <a:graphicData uri="http://schemas.openxmlformats.org/drawingml/2006/chart">
@@ -6640,10 +6774,485 @@
           </a:graphicData>
         </a:graphic>
       </p:graphicFrame>
+      <p:sp>
+        <p:nvSpPr>
+          <p:cNvPr id="9" name="TekstSylinder 8">
+            <a:extLst>
+              <a:ext uri="{FF2B5EF4-FFF2-40B4-BE49-F238E27FC236}">
+                <a16:creationId xmlns:a16="http://schemas.microsoft.com/office/drawing/2014/main" id="{3CF25596-6D99-6545-356D-3A0D71022B37}"/>
+              </a:ext>
+            </a:extLst>
+          </p:cNvPr>
+          <p:cNvSpPr txBox="1"/>
+          <p:nvPr/>
+        </p:nvSpPr>
+        <p:spPr>
+          <a:xfrm>
+            <a:off x="2569976" y="-19052"/>
+            <a:ext cx="1516249" cy="369332"/>
+          </a:xfrm>
+          <a:prstGeom prst="rect">
+            <a:avLst/>
+          </a:prstGeom>
+          <a:noFill/>
+        </p:spPr>
+        <p:txBody>
+          <a:bodyPr wrap="none" rtlCol="0">
+            <a:spAutoFit/>
+          </a:bodyPr>
+          <a:lstStyle/>
+          <a:p>
+            <a:pPr algn="r"/>
+            <a:r>
+              <a:rPr lang="nb-NO" dirty="0">
+                <a:solidFill>
+                  <a:schemeClr val="tx1">
+                    <a:lumMod val="50000"/>
+                    <a:lumOff val="50000"/>
+                  </a:schemeClr>
+                </a:solidFill>
+              </a:rPr>
+              <a:t>STAI-Y1 scores</a:t>
+            </a:r>
+            <a:endParaRPr lang="en-US" dirty="0">
+              <a:solidFill>
+                <a:schemeClr val="tx1">
+                  <a:lumMod val="50000"/>
+                  <a:lumOff val="50000"/>
+                </a:schemeClr>
+              </a:solidFill>
+            </a:endParaRPr>
+          </a:p>
+        </p:txBody>
+      </p:sp>
+      <p:sp>
+        <p:nvSpPr>
+          <p:cNvPr id="2" name="TekstSylinder 1">
+            <a:extLst>
+              <a:ext uri="{FF2B5EF4-FFF2-40B4-BE49-F238E27FC236}">
+                <a16:creationId xmlns:a16="http://schemas.microsoft.com/office/drawing/2014/main" id="{9E025601-4914-28A5-6740-FDEA679C0EAC}"/>
+              </a:ext>
+            </a:extLst>
+          </p:cNvPr>
+          <p:cNvSpPr txBox="1"/>
+          <p:nvPr/>
+        </p:nvSpPr>
+        <p:spPr>
+          <a:xfrm>
+            <a:off x="4638676" y="-8626"/>
+            <a:ext cx="1038939" cy="369332"/>
+          </a:xfrm>
+          <a:prstGeom prst="rect">
+            <a:avLst/>
+          </a:prstGeom>
+          <a:noFill/>
+        </p:spPr>
+        <p:txBody>
+          <a:bodyPr wrap="none" rtlCol="0">
+            <a:spAutoFit/>
+          </a:bodyPr>
+          <a:lstStyle/>
+          <a:p>
+            <a:pPr algn="r"/>
+            <a:r>
+              <a:rPr lang="nb-NO" dirty="0">
+                <a:solidFill>
+                  <a:schemeClr val="tx1">
+                    <a:lumMod val="50000"/>
+                    <a:lumOff val="50000"/>
+                  </a:schemeClr>
+                </a:solidFill>
+              </a:rPr>
+              <a:t>SS scores</a:t>
+            </a:r>
+            <a:endParaRPr lang="en-US" dirty="0">
+              <a:solidFill>
+                <a:schemeClr val="tx1">
+                  <a:lumMod val="50000"/>
+                  <a:lumOff val="50000"/>
+                </a:schemeClr>
+              </a:solidFill>
+            </a:endParaRPr>
+          </a:p>
+        </p:txBody>
+      </p:sp>
+      <p:sp>
+        <p:nvSpPr>
+          <p:cNvPr id="3" name="TekstSylinder 5">
+            <a:extLst>
+              <a:ext uri="{FF2B5EF4-FFF2-40B4-BE49-F238E27FC236}">
+                <a16:creationId xmlns:a16="http://schemas.microsoft.com/office/drawing/2014/main" id="{6A686991-AB9F-B0EC-0A01-F3A4F42240B2}"/>
+              </a:ext>
+            </a:extLst>
+          </p:cNvPr>
+          <p:cNvSpPr txBox="1"/>
+          <p:nvPr/>
+        </p:nvSpPr>
+        <p:spPr>
+          <a:xfrm>
+            <a:off x="4023254" y="350280"/>
+            <a:ext cx="678391" cy="6018504"/>
+          </a:xfrm>
+          <a:prstGeom prst="rect">
+            <a:avLst/>
+          </a:prstGeom>
+          <a:noFill/>
+        </p:spPr>
+        <p:txBody>
+          <a:bodyPr wrap="none" rtlCol="0">
+            <a:spAutoFit/>
+          </a:bodyPr>
+          <a:lstStyle>
+            <a:lvl1pPr marL="0" indent="0">
+              <a:defRPr sz="1100">
+                <a:latin typeface="+mn-lt"/>
+                <a:ea typeface="+mn-ea"/>
+                <a:cs typeface="+mn-cs"/>
+              </a:defRPr>
+            </a:lvl1pPr>
+            <a:lvl2pPr marL="457200" indent="0">
+              <a:defRPr sz="1100">
+                <a:latin typeface="+mn-lt"/>
+                <a:ea typeface="+mn-ea"/>
+                <a:cs typeface="+mn-cs"/>
+              </a:defRPr>
+            </a:lvl2pPr>
+            <a:lvl3pPr marL="914400" indent="0">
+              <a:defRPr sz="1100">
+                <a:latin typeface="+mn-lt"/>
+                <a:ea typeface="+mn-ea"/>
+                <a:cs typeface="+mn-cs"/>
+              </a:defRPr>
+            </a:lvl3pPr>
+            <a:lvl4pPr marL="1371600" indent="0">
+              <a:defRPr sz="1100">
+                <a:latin typeface="+mn-lt"/>
+                <a:ea typeface="+mn-ea"/>
+                <a:cs typeface="+mn-cs"/>
+              </a:defRPr>
+            </a:lvl4pPr>
+            <a:lvl5pPr marL="1828800" indent="0">
+              <a:defRPr sz="1100">
+                <a:latin typeface="+mn-lt"/>
+                <a:ea typeface="+mn-ea"/>
+                <a:cs typeface="+mn-cs"/>
+              </a:defRPr>
+            </a:lvl5pPr>
+            <a:lvl6pPr marL="2286000" indent="0">
+              <a:defRPr sz="1100">
+                <a:latin typeface="+mn-lt"/>
+                <a:ea typeface="+mn-ea"/>
+                <a:cs typeface="+mn-cs"/>
+              </a:defRPr>
+            </a:lvl6pPr>
+            <a:lvl7pPr marL="2743200" indent="0">
+              <a:defRPr sz="1100">
+                <a:latin typeface="+mn-lt"/>
+                <a:ea typeface="+mn-ea"/>
+                <a:cs typeface="+mn-cs"/>
+              </a:defRPr>
+            </a:lvl7pPr>
+            <a:lvl8pPr marL="3200400" indent="0">
+              <a:defRPr sz="1100">
+                <a:latin typeface="+mn-lt"/>
+                <a:ea typeface="+mn-ea"/>
+                <a:cs typeface="+mn-cs"/>
+              </a:defRPr>
+            </a:lvl8pPr>
+            <a:lvl9pPr marL="3657600" indent="0">
+              <a:defRPr sz="1100">
+                <a:latin typeface="+mn-lt"/>
+                <a:ea typeface="+mn-ea"/>
+                <a:cs typeface="+mn-cs"/>
+              </a:defRPr>
+            </a:lvl9pPr>
+          </a:lstStyle>
+          <a:p>
+            <a:r>
+              <a:rPr lang="nb-NO" sz="1400" dirty="0">
+                <a:solidFill>
+                  <a:srgbClr val="595959"/>
+                </a:solidFill>
+              </a:rPr>
+              <a:t>Sub 01</a:t>
+            </a:r>
+          </a:p>
+          <a:p>
+            <a:r>
+              <a:rPr lang="nb-NO" sz="1400" dirty="0">
+                <a:solidFill>
+                  <a:srgbClr val="595959"/>
+                </a:solidFill>
+              </a:rPr>
+              <a:t>Sub 02</a:t>
+            </a:r>
+          </a:p>
+          <a:p>
+            <a:r>
+              <a:rPr lang="nb-NO" sz="1400" dirty="0">
+                <a:solidFill>
+                  <a:srgbClr val="595959"/>
+                </a:solidFill>
+              </a:rPr>
+              <a:t>Sub 03</a:t>
+            </a:r>
+          </a:p>
+          <a:p>
+            <a:r>
+              <a:rPr lang="en-US" sz="1400" dirty="0">
+                <a:solidFill>
+                  <a:srgbClr val="595959"/>
+                </a:solidFill>
+              </a:rPr>
+              <a:t>Sub 04</a:t>
+            </a:r>
+          </a:p>
+          <a:p>
+            <a:r>
+              <a:rPr lang="en-US" sz="1400" dirty="0">
+                <a:solidFill>
+                  <a:srgbClr val="595959"/>
+                </a:solidFill>
+              </a:rPr>
+              <a:t>Sub 05</a:t>
+            </a:r>
+          </a:p>
+          <a:p>
+            <a:r>
+              <a:rPr lang="en-US" sz="1400" dirty="0">
+                <a:solidFill>
+                  <a:srgbClr val="595959"/>
+                </a:solidFill>
+              </a:rPr>
+              <a:t>Sub 06</a:t>
+            </a:r>
+          </a:p>
+          <a:p>
+            <a:r>
+              <a:rPr lang="en-US" sz="1400" dirty="0">
+                <a:solidFill>
+                  <a:srgbClr val="595959"/>
+                </a:solidFill>
+              </a:rPr>
+              <a:t>Sub 07</a:t>
+            </a:r>
+          </a:p>
+          <a:p>
+            <a:r>
+              <a:rPr lang="en-US" sz="1400" dirty="0">
+                <a:solidFill>
+                  <a:srgbClr val="595959"/>
+                </a:solidFill>
+              </a:rPr>
+              <a:t>Sub 08</a:t>
+            </a:r>
+          </a:p>
+          <a:p>
+            <a:r>
+              <a:rPr lang="en-US" sz="1400" dirty="0">
+                <a:solidFill>
+                  <a:srgbClr val="595959"/>
+                </a:solidFill>
+              </a:rPr>
+              <a:t>Sub 09</a:t>
+            </a:r>
+          </a:p>
+          <a:p>
+            <a:r>
+              <a:rPr lang="en-US" sz="1400" dirty="0">
+                <a:solidFill>
+                  <a:srgbClr val="595959"/>
+                </a:solidFill>
+              </a:rPr>
+              <a:t>Sub 10</a:t>
+            </a:r>
+          </a:p>
+          <a:p>
+            <a:r>
+              <a:rPr lang="en-US" sz="1400" dirty="0">
+                <a:solidFill>
+                  <a:srgbClr val="595959"/>
+                </a:solidFill>
+              </a:rPr>
+              <a:t>Sub 11</a:t>
+            </a:r>
+          </a:p>
+          <a:p>
+            <a:r>
+              <a:rPr lang="en-US" sz="1400" dirty="0">
+                <a:solidFill>
+                  <a:srgbClr val="595959"/>
+                </a:solidFill>
+              </a:rPr>
+              <a:t>Sub 12</a:t>
+            </a:r>
+          </a:p>
+          <a:p>
+            <a:r>
+              <a:rPr lang="en-US" sz="1400" dirty="0">
+                <a:solidFill>
+                  <a:srgbClr val="595959"/>
+                </a:solidFill>
+              </a:rPr>
+              <a:t>Sub 13</a:t>
+            </a:r>
+          </a:p>
+          <a:p>
+            <a:r>
+              <a:rPr lang="en-US" sz="1400" dirty="0">
+                <a:solidFill>
+                  <a:srgbClr val="595959"/>
+                </a:solidFill>
+              </a:rPr>
+              <a:t>Sub 14</a:t>
+            </a:r>
+          </a:p>
+          <a:p>
+            <a:r>
+              <a:rPr lang="en-US" sz="1400" dirty="0">
+                <a:solidFill>
+                  <a:srgbClr val="595959"/>
+                </a:solidFill>
+              </a:rPr>
+              <a:t>Sub 15</a:t>
+            </a:r>
+          </a:p>
+          <a:p>
+            <a:r>
+              <a:rPr lang="en-US" sz="1400" dirty="0">
+                <a:solidFill>
+                  <a:srgbClr val="595959"/>
+                </a:solidFill>
+              </a:rPr>
+              <a:t>Sub 16</a:t>
+            </a:r>
+          </a:p>
+          <a:p>
+            <a:r>
+              <a:rPr lang="en-US" sz="1400" dirty="0">
+                <a:solidFill>
+                  <a:srgbClr val="595959"/>
+                </a:solidFill>
+              </a:rPr>
+              <a:t>Sub 17</a:t>
+            </a:r>
+          </a:p>
+          <a:p>
+            <a:r>
+              <a:rPr lang="en-US" sz="1400" dirty="0">
+                <a:solidFill>
+                  <a:srgbClr val="595959"/>
+                </a:solidFill>
+              </a:rPr>
+              <a:t>Sub 18</a:t>
+            </a:r>
+          </a:p>
+          <a:p>
+            <a:r>
+              <a:rPr lang="en-US" sz="1400" dirty="0">
+                <a:solidFill>
+                  <a:srgbClr val="595959"/>
+                </a:solidFill>
+              </a:rPr>
+              <a:t>Sub 19</a:t>
+            </a:r>
+          </a:p>
+          <a:p>
+            <a:r>
+              <a:rPr lang="en-US" sz="1400" dirty="0">
+                <a:solidFill>
+                  <a:srgbClr val="595959"/>
+                </a:solidFill>
+              </a:rPr>
+              <a:t>Sub 20</a:t>
+            </a:r>
+          </a:p>
+          <a:p>
+            <a:r>
+              <a:rPr lang="en-US" sz="1400" dirty="0">
+                <a:solidFill>
+                  <a:srgbClr val="595959"/>
+                </a:solidFill>
+              </a:rPr>
+              <a:t>Sub 21</a:t>
+            </a:r>
+          </a:p>
+          <a:p>
+            <a:r>
+              <a:rPr lang="en-US" sz="1400" dirty="0">
+                <a:solidFill>
+                  <a:srgbClr val="595959"/>
+                </a:solidFill>
+              </a:rPr>
+              <a:t>Sub 22</a:t>
+            </a:r>
+          </a:p>
+          <a:p>
+            <a:r>
+              <a:rPr lang="en-US" sz="1400" dirty="0">
+                <a:solidFill>
+                  <a:srgbClr val="595959"/>
+                </a:solidFill>
+              </a:rPr>
+              <a:t>Sub 23</a:t>
+            </a:r>
+          </a:p>
+          <a:p>
+            <a:r>
+              <a:rPr lang="en-US" sz="1400" dirty="0">
+                <a:solidFill>
+                  <a:srgbClr val="595959"/>
+                </a:solidFill>
+              </a:rPr>
+              <a:t>Sub 24</a:t>
+            </a:r>
+          </a:p>
+          <a:p>
+            <a:r>
+              <a:rPr lang="en-US" sz="1400" dirty="0">
+                <a:solidFill>
+                  <a:srgbClr val="595959"/>
+                </a:solidFill>
+              </a:rPr>
+              <a:t>Sub 25</a:t>
+            </a:r>
+          </a:p>
+          <a:p>
+            <a:r>
+              <a:rPr lang="en-US" sz="1400" dirty="0">
+                <a:solidFill>
+                  <a:srgbClr val="595959"/>
+                </a:solidFill>
+              </a:rPr>
+              <a:t>Sub 26</a:t>
+            </a:r>
+          </a:p>
+          <a:p>
+            <a:r>
+              <a:rPr lang="en-US" sz="1400" dirty="0">
+                <a:solidFill>
+                  <a:srgbClr val="595959"/>
+                </a:solidFill>
+              </a:rPr>
+              <a:t>Sub 27</a:t>
+            </a:r>
+          </a:p>
+          <a:p>
+            <a:r>
+              <a:rPr lang="en-US" sz="1400" dirty="0">
+                <a:solidFill>
+                  <a:srgbClr val="595959"/>
+                </a:solidFill>
+              </a:rPr>
+              <a:t>Sub 28</a:t>
+            </a:r>
+          </a:p>
+        </p:txBody>
+      </p:sp>
     </p:spTree>
     <p:extLst>
       <p:ext uri="{BB962C8B-B14F-4D97-AF65-F5344CB8AC3E}">
-        <p14:creationId xmlns:p14="http://schemas.microsoft.com/office/powerpoint/2010/main" val="3042494034"/>
+        <p14:creationId xmlns:p14="http://schemas.microsoft.com/office/powerpoint/2010/main" val="775124186"/>
       </p:ext>
     </p:extLst>
   </p:cSld>
